--- a/docs/iOS-re-app.pptx
+++ b/docs/iOS-re-app.pptx
@@ -229,7 +229,7 @@
           <a:p>
             <a:fld id="{511C7247-C3DA-4B1B-BCAA-E9308B4A9CD3}" type="datetimeFigureOut">
               <a:rPr lang="en-GB" smtClean="0"/>
-              <a:t>14/01/2018</a:t>
+              <a:t>16/01/2018</a:t>
             </a:fld>
             <a:endParaRPr lang="en-GB" dirty="0"/>
           </a:p>
@@ -959,6 +959,86 @@
             <a:endParaRPr lang="it-IT" baseline="0" dirty="0" smtClean="0"/>
           </a:p>
           <a:p>
+            <a:r>
+              <a:rPr lang="it-IT" dirty="0" smtClean="0"/>
+              <a:t>&gt; At the bottom </a:t>
+            </a:r>
+            <a:r>
+              <a:rPr lang="it-IT" dirty="0" err="1" smtClean="0"/>
+              <a:t>we</a:t>
+            </a:r>
+            <a:r>
+              <a:rPr lang="it-IT" dirty="0" smtClean="0"/>
+              <a:t> can </a:t>
+            </a:r>
+            <a:r>
+              <a:rPr lang="it-IT" dirty="0" err="1" smtClean="0"/>
+              <a:t>see</a:t>
+            </a:r>
+            <a:r>
+              <a:rPr lang="it-IT" dirty="0" smtClean="0"/>
+              <a:t> the LEGACY API Services </a:t>
+            </a:r>
+            <a:r>
+              <a:rPr lang="it-IT" dirty="0" err="1" smtClean="0"/>
+              <a:t>that</a:t>
+            </a:r>
+            <a:r>
+              <a:rPr lang="it-IT" baseline="0" dirty="0" smtClean="0"/>
+              <a:t> </a:t>
+            </a:r>
+            <a:r>
+              <a:rPr lang="it-IT" baseline="0" dirty="0" err="1" smtClean="0"/>
+              <a:t>allow</a:t>
+            </a:r>
+            <a:r>
+              <a:rPr lang="it-IT" baseline="0" dirty="0" smtClean="0"/>
+              <a:t> </a:t>
+            </a:r>
+            <a:r>
+              <a:rPr lang="it-IT" baseline="0" dirty="0" err="1" smtClean="0"/>
+              <a:t>all</a:t>
+            </a:r>
+            <a:r>
+              <a:rPr lang="it-IT" baseline="0" dirty="0" smtClean="0"/>
+              <a:t> the </a:t>
+            </a:r>
+            <a:r>
+              <a:rPr lang="it-IT" baseline="0" dirty="0" err="1" smtClean="0"/>
+              <a:t>module</a:t>
+            </a:r>
+            <a:r>
+              <a:rPr lang="it-IT" baseline="0" dirty="0" smtClean="0"/>
+              <a:t> to </a:t>
+            </a:r>
+            <a:r>
+              <a:rPr lang="it-IT" baseline="0" dirty="0" err="1" smtClean="0"/>
+              <a:t>connect</a:t>
+            </a:r>
+            <a:r>
+              <a:rPr lang="it-IT" baseline="0" dirty="0" smtClean="0"/>
+              <a:t> to </a:t>
+            </a:r>
+            <a:r>
+              <a:rPr lang="it-IT" baseline="0" dirty="0" err="1" smtClean="0"/>
+              <a:t>yoox</a:t>
+            </a:r>
+            <a:r>
+              <a:rPr lang="it-IT" baseline="0" dirty="0" smtClean="0"/>
+              <a:t> </a:t>
+            </a:r>
+            <a:r>
+              <a:rPr lang="it-IT" baseline="0" dirty="0" err="1" smtClean="0"/>
+              <a:t>legacy</a:t>
+            </a:r>
+            <a:r>
+              <a:rPr lang="it-IT" baseline="0" dirty="0" smtClean="0"/>
+              <a:t> </a:t>
+            </a:r>
+            <a:r>
+              <a:rPr lang="it-IT" baseline="0" dirty="0" err="1" smtClean="0"/>
+              <a:t>platfrom</a:t>
+            </a:r>
             <a:endParaRPr lang="it-IT" dirty="0"/>
           </a:p>
         </p:txBody>
@@ -1043,6 +1123,109 @@
           <a:bodyPr/>
           <a:lstStyle/>
           <a:p>
+            <a:pPr marL="171450" marR="0" indent="-171450" algn="l" defTabSz="914400" rtl="0" eaLnBrk="1" fontAlgn="auto" latinLnBrk="0" hangingPunct="1">
+              <a:lnSpc>
+                <a:spcPct val="100000"/>
+              </a:lnSpc>
+              <a:spcBef>
+                <a:spcPts val="0"/>
+              </a:spcBef>
+              <a:spcAft>
+                <a:spcPts val="0"/>
+              </a:spcAft>
+              <a:buClrTx/>
+              <a:buSzTx/>
+              <a:buFont typeface="Wingdings" charset="2"/>
+              <a:buChar char="Ø"/>
+              <a:tabLst/>
+              <a:defRPr/>
+            </a:pPr>
+            <a:r>
+              <a:rPr lang="it-IT" baseline="0" dirty="0" smtClean="0"/>
+              <a:t>The </a:t>
+            </a:r>
+            <a:r>
+              <a:rPr lang="it-IT" baseline="0" dirty="0" err="1" smtClean="0"/>
+              <a:t>App</a:t>
+            </a:r>
+            <a:r>
+              <a:rPr lang="it-IT" baseline="0" dirty="0" smtClean="0"/>
+              <a:t> </a:t>
+            </a:r>
+            <a:r>
+              <a:rPr lang="it-IT" baseline="0" dirty="0" err="1" smtClean="0"/>
+              <a:t>move</a:t>
+            </a:r>
+            <a:r>
+              <a:rPr lang="it-IT" baseline="0" dirty="0" smtClean="0"/>
+              <a:t> </a:t>
+            </a:r>
+            <a:r>
+              <a:rPr lang="it-IT" baseline="0" dirty="0" err="1" smtClean="0"/>
+              <a:t>into</a:t>
+            </a:r>
+            <a:r>
+              <a:rPr lang="it-IT" baseline="0" dirty="0" smtClean="0"/>
+              <a:t> a </a:t>
+            </a:r>
+            <a:r>
+              <a:rPr lang="it-IT" baseline="0" dirty="0" err="1" smtClean="0"/>
+              <a:t>shell</a:t>
+            </a:r>
+            <a:r>
+              <a:rPr lang="it-IT" baseline="0" dirty="0" smtClean="0"/>
+              <a:t> </a:t>
+            </a:r>
+            <a:r>
+              <a:rPr lang="it-IT" baseline="0" dirty="0" err="1" smtClean="0"/>
+              <a:t>app</a:t>
+            </a:r>
+            <a:r>
+              <a:rPr lang="it-IT" baseline="0" dirty="0" smtClean="0"/>
+              <a:t> </a:t>
+            </a:r>
+            <a:r>
+              <a:rPr lang="it-IT" baseline="0" dirty="0" err="1" smtClean="0"/>
+              <a:t>that</a:t>
+            </a:r>
+            <a:r>
+              <a:rPr lang="it-IT" baseline="0" dirty="0" smtClean="0"/>
+              <a:t> </a:t>
+            </a:r>
+            <a:r>
+              <a:rPr lang="it-IT" baseline="0" dirty="0" err="1" smtClean="0"/>
+              <a:t>aim</a:t>
+            </a:r>
+            <a:r>
+              <a:rPr lang="it-IT" baseline="0" dirty="0" smtClean="0"/>
+              <a:t> </a:t>
+            </a:r>
+            <a:r>
+              <a:rPr lang="it-IT" baseline="0" dirty="0" err="1" smtClean="0"/>
+              <a:t>as</a:t>
+            </a:r>
+            <a:r>
+              <a:rPr lang="it-IT" baseline="0" dirty="0" smtClean="0"/>
+              <a:t> </a:t>
+            </a:r>
+            <a:r>
+              <a:rPr lang="it-IT" baseline="0" dirty="0" err="1" smtClean="0"/>
+              <a:t>plugin</a:t>
+            </a:r>
+            <a:r>
+              <a:rPr lang="it-IT" baseline="0" dirty="0" smtClean="0"/>
+              <a:t> </a:t>
+            </a:r>
+            <a:r>
+              <a:rPr lang="it-IT" baseline="0" dirty="0" err="1" smtClean="0"/>
+              <a:t>aggregator</a:t>
+            </a:r>
+            <a:r>
+              <a:rPr lang="it-IT" dirty="0" smtClean="0"/>
+              <a:t> </a:t>
+            </a:r>
+          </a:p>
+          <a:p>
             <a:pPr marL="171450" indent="-171450">
               <a:buFont typeface="Wingdings" charset="2"/>
               <a:buChar char="Ø"/>
@@ -1053,7 +1236,11 @@
             </a:r>
             <a:r>
               <a:rPr lang="it-IT" baseline="0" dirty="0" smtClean="0"/>
-              <a:t> the single use case </a:t>
+              <a:t> </a:t>
+            </a:r>
+            <a:r>
+              <a:rPr lang="it-IT" baseline="0" dirty="0" smtClean="0"/>
+              <a:t>the single use case </a:t>
             </a:r>
             <a:r>
               <a:rPr lang="it-IT" baseline="0" dirty="0" err="1" smtClean="0"/>
@@ -1129,93 +1316,6 @@
             <a:r>
               <a:rPr lang="it-IT" baseline="0" dirty="0" err="1" smtClean="0"/>
               <a:t>protocols</a:t>
-            </a:r>
-            <a:endParaRPr lang="it-IT" baseline="0" dirty="0" smtClean="0"/>
-          </a:p>
-          <a:p>
-            <a:pPr marL="171450" indent="-171450">
-              <a:buFont typeface="Wingdings" charset="2"/>
-              <a:buChar char="Ø"/>
-            </a:pPr>
-            <a:r>
-              <a:rPr lang="it-IT" baseline="0" dirty="0" smtClean="0"/>
-              <a:t>The </a:t>
-            </a:r>
-            <a:r>
-              <a:rPr lang="it-IT" baseline="0" dirty="0" err="1" smtClean="0"/>
-              <a:t>App</a:t>
-            </a:r>
-            <a:r>
-              <a:rPr lang="it-IT" baseline="0" dirty="0" smtClean="0"/>
-              <a:t> </a:t>
-            </a:r>
-            <a:r>
-              <a:rPr lang="it-IT" baseline="0" dirty="0" err="1" smtClean="0"/>
-              <a:t>move</a:t>
-            </a:r>
-            <a:r>
-              <a:rPr lang="it-IT" baseline="0" dirty="0" smtClean="0"/>
-              <a:t> </a:t>
-            </a:r>
-            <a:r>
-              <a:rPr lang="it-IT" baseline="0" dirty="0" err="1" smtClean="0"/>
-              <a:t>into</a:t>
-            </a:r>
-            <a:r>
-              <a:rPr lang="it-IT" baseline="0" dirty="0" smtClean="0"/>
-              <a:t> a </a:t>
-            </a:r>
-            <a:r>
-              <a:rPr lang="it-IT" baseline="0" dirty="0" err="1" smtClean="0"/>
-              <a:t>shell</a:t>
-            </a:r>
-            <a:r>
-              <a:rPr lang="it-IT" baseline="0" dirty="0" smtClean="0"/>
-              <a:t> </a:t>
-            </a:r>
-            <a:r>
-              <a:rPr lang="it-IT" baseline="0" dirty="0" err="1" smtClean="0"/>
-              <a:t>app</a:t>
-            </a:r>
-            <a:r>
-              <a:rPr lang="it-IT" baseline="0" dirty="0" smtClean="0"/>
-              <a:t> </a:t>
-            </a:r>
-            <a:r>
-              <a:rPr lang="it-IT" baseline="0" dirty="0" err="1" smtClean="0"/>
-              <a:t>that</a:t>
-            </a:r>
-            <a:r>
-              <a:rPr lang="it-IT" baseline="0" dirty="0" smtClean="0"/>
-              <a:t> </a:t>
-            </a:r>
-            <a:r>
-              <a:rPr lang="it-IT" baseline="0" dirty="0" err="1" smtClean="0"/>
-              <a:t>aim</a:t>
-            </a:r>
-            <a:r>
-              <a:rPr lang="it-IT" baseline="0" dirty="0" smtClean="0"/>
-              <a:t> </a:t>
-            </a:r>
-            <a:r>
-              <a:rPr lang="it-IT" baseline="0" dirty="0" err="1" smtClean="0"/>
-              <a:t>as</a:t>
-            </a:r>
-            <a:r>
-              <a:rPr lang="it-IT" baseline="0" dirty="0" smtClean="0"/>
-              <a:t> </a:t>
-            </a:r>
-            <a:r>
-              <a:rPr lang="it-IT" baseline="0" dirty="0" err="1" smtClean="0"/>
-              <a:t>plugin</a:t>
-            </a:r>
-            <a:r>
-              <a:rPr lang="it-IT" baseline="0" dirty="0" smtClean="0"/>
-              <a:t> </a:t>
-            </a:r>
-            <a:r>
-              <a:rPr lang="it-IT" baseline="0" dirty="0" err="1" smtClean="0"/>
-              <a:t>aggregator</a:t>
             </a:r>
             <a:endParaRPr lang="it-IT" baseline="0" dirty="0" smtClean="0"/>
           </a:p>
@@ -1374,8 +1474,13 @@
             </a:r>
             <a:r>
               <a:rPr lang="it-IT" baseline="0" dirty="0" smtClean="0"/>
-              <a:t> from scratch</a:t>
-            </a:r>
+              <a:t> from </a:t>
+            </a:r>
+            <a:r>
+              <a:rPr lang="it-IT" baseline="0" dirty="0" smtClean="0"/>
+              <a:t>scratch</a:t>
+            </a:r>
+            <a:endParaRPr lang="it-IT" baseline="0" dirty="0" smtClean="0"/>
           </a:p>
           <a:p>
             <a:pPr marL="171450" indent="-171450">
@@ -1415,21 +1520,33 @@
             </a:r>
             <a:r>
               <a:rPr lang="it-IT" baseline="0" dirty="0" err="1" smtClean="0"/>
-              <a:t>Appp</a:t>
-            </a:r>
-            <a:r>
-              <a:rPr lang="it-IT" baseline="0" dirty="0" smtClean="0"/>
-              <a:t> can </a:t>
-            </a:r>
-            <a:r>
-              <a:rPr lang="it-IT" baseline="0" dirty="0" err="1" smtClean="0"/>
-              <a:t>switchnbetween</a:t>
+              <a:t>App</a:t>
             </a:r>
             <a:r>
               <a:rPr lang="it-IT" baseline="0" dirty="0" smtClean="0"/>
               <a:t> </a:t>
             </a:r>
             <a:r>
+              <a:rPr lang="it-IT" baseline="0" dirty="0" smtClean="0"/>
+              <a:t>can </a:t>
+            </a:r>
+            <a:r>
+              <a:rPr lang="it-IT" baseline="0" dirty="0" err="1" smtClean="0"/>
+              <a:t>switch</a:t>
+            </a:r>
+            <a:r>
+              <a:rPr lang="it-IT" baseline="0" dirty="0" smtClean="0"/>
+              <a:t> </a:t>
+            </a:r>
+            <a:r>
+              <a:rPr lang="it-IT" baseline="0" dirty="0" err="1" smtClean="0"/>
+              <a:t>between</a:t>
+            </a:r>
+            <a:r>
+              <a:rPr lang="it-IT" baseline="0" dirty="0" smtClean="0"/>
+              <a:t> </a:t>
+            </a:r>
+            <a:r>
               <a:rPr lang="it-IT" baseline="0" dirty="0" err="1" smtClean="0"/>
               <a:t>plugins</a:t>
             </a:r>
@@ -1454,8 +1571,8 @@
               <a:t> </a:t>
             </a:r>
             <a:r>
-              <a:rPr lang="it-IT" baseline="0" dirty="0" err="1" smtClean="0"/>
-              <a:t>tiem</a:t>
+              <a:rPr lang="it-IT" baseline="0" dirty="0" smtClean="0"/>
+              <a:t>time</a:t>
             </a:r>
             <a:endParaRPr lang="it-IT" dirty="0"/>
           </a:p>
@@ -1555,7 +1672,7 @@
             </a:r>
             <a:r>
               <a:rPr lang="it-IT" baseline="0" dirty="0" err="1" smtClean="0"/>
-              <a:t>ww’ve</a:t>
+              <a:t>we’ve</a:t>
             </a:r>
             <a:r>
               <a:rPr lang="it-IT" baseline="0" dirty="0" smtClean="0"/>
@@ -1563,7 +1680,7 @@
             </a:r>
             <a:r>
               <a:rPr lang="it-IT" baseline="0" dirty="0" err="1" smtClean="0"/>
-              <a:t>swrote</a:t>
+              <a:t>wrote</a:t>
             </a:r>
             <a:r>
               <a:rPr lang="it-IT" baseline="0" dirty="0" smtClean="0"/>
@@ -1604,14 +1721,6 @@
             <a:r>
               <a:rPr lang="it-IT" baseline="0" dirty="0" err="1" smtClean="0"/>
               <a:t>old</a:t>
-            </a:r>
-            <a:r>
-              <a:rPr lang="it-IT" baseline="0" dirty="0" smtClean="0"/>
-              <a:t> </a:t>
-            </a:r>
-            <a:r>
-              <a:rPr lang="it-IT" baseline="0" dirty="0" err="1" smtClean="0"/>
-              <a:t>ones</a:t>
             </a:r>
             <a:endParaRPr lang="it-IT" baseline="0" dirty="0" smtClean="0"/>
           </a:p>
@@ -1620,6 +1729,58 @@
               <a:buFont typeface="Wingdings" charset="2"/>
               <a:buChar char="Ø"/>
             </a:pPr>
+            <a:r>
+              <a:rPr lang="it-IT" dirty="0" smtClean="0"/>
+              <a:t>The </a:t>
+            </a:r>
+            <a:r>
+              <a:rPr lang="it-IT" dirty="0" err="1" smtClean="0"/>
+              <a:t>app</a:t>
+            </a:r>
+            <a:r>
+              <a:rPr lang="it-IT" baseline="0" dirty="0" smtClean="0"/>
+              <a:t> </a:t>
+            </a:r>
+            <a:r>
+              <a:rPr lang="it-IT" baseline="0" dirty="0" err="1" smtClean="0"/>
+              <a:t>still</a:t>
+            </a:r>
+            <a:r>
+              <a:rPr lang="it-IT" baseline="0" dirty="0" smtClean="0"/>
+              <a:t> </a:t>
+            </a:r>
+            <a:r>
+              <a:rPr lang="it-IT" baseline="0" dirty="0" err="1" smtClean="0"/>
+              <a:t>connect</a:t>
+            </a:r>
+            <a:r>
+              <a:rPr lang="it-IT" baseline="0" dirty="0" smtClean="0"/>
+              <a:t> to the </a:t>
+            </a:r>
+            <a:r>
+              <a:rPr lang="it-IT" baseline="0" dirty="0" err="1" smtClean="0"/>
+              <a:t>legacy</a:t>
+            </a:r>
+            <a:r>
+              <a:rPr lang="it-IT" baseline="0" dirty="0" smtClean="0"/>
+              <a:t> </a:t>
+            </a:r>
+            <a:r>
+              <a:rPr lang="it-IT" baseline="0" dirty="0" err="1" smtClean="0"/>
+              <a:t>platform</a:t>
+            </a:r>
+            <a:r>
+              <a:rPr lang="it-IT" baseline="0" dirty="0" smtClean="0"/>
+              <a:t> </a:t>
+            </a:r>
+            <a:r>
+              <a:rPr lang="it-IT" baseline="0" dirty="0" err="1" smtClean="0"/>
+              <a:t>using</a:t>
+            </a:r>
+            <a:r>
+              <a:rPr lang="it-IT" baseline="0" dirty="0" smtClean="0"/>
+              <a:t> the YNSDK YOOX Adapter</a:t>
+            </a:r>
             <a:endParaRPr lang="it-IT" dirty="0"/>
           </a:p>
         </p:txBody>
@@ -1704,6 +1865,109 @@
           <a:bodyPr/>
           <a:lstStyle/>
           <a:p>
+            <a:pPr marL="171450" indent="-171450">
+              <a:buFont typeface="Wingdings" charset="2"/>
+              <a:buChar char="Ø"/>
+            </a:pPr>
+            <a:r>
+              <a:rPr lang="it-IT" dirty="0" smtClean="0"/>
+              <a:t>Using the software </a:t>
+            </a:r>
+            <a:r>
+              <a:rPr lang="it-IT" dirty="0" err="1" smtClean="0"/>
+              <a:t>selecter</a:t>
+            </a:r>
+            <a:r>
+              <a:rPr lang="it-IT" dirty="0" smtClean="0"/>
+              <a:t> </a:t>
+            </a:r>
+            <a:r>
+              <a:rPr lang="it-IT" dirty="0" err="1" smtClean="0"/>
+              <a:t>we</a:t>
+            </a:r>
+            <a:r>
+              <a:rPr lang="it-IT" dirty="0" smtClean="0"/>
+              <a:t> can decide</a:t>
+            </a:r>
+            <a:r>
+              <a:rPr lang="it-IT" baseline="0" dirty="0" smtClean="0"/>
+              <a:t> to </a:t>
+            </a:r>
+            <a:r>
+              <a:rPr lang="it-IT" baseline="0" dirty="0" err="1" smtClean="0"/>
+              <a:t>connect</a:t>
+            </a:r>
+            <a:r>
+              <a:rPr lang="it-IT" baseline="0" dirty="0" smtClean="0"/>
+              <a:t> to YOOX </a:t>
+            </a:r>
+            <a:r>
+              <a:rPr lang="it-IT" baseline="0" dirty="0" err="1" smtClean="0"/>
+              <a:t>legacy</a:t>
+            </a:r>
+            <a:r>
+              <a:rPr lang="it-IT" baseline="0" dirty="0" smtClean="0"/>
+              <a:t> </a:t>
+            </a:r>
+            <a:r>
+              <a:rPr lang="it-IT" baseline="0" dirty="0" err="1" smtClean="0"/>
+              <a:t>platform</a:t>
+            </a:r>
+            <a:r>
+              <a:rPr lang="it-IT" baseline="0" dirty="0" smtClean="0"/>
+              <a:t> or WCS </a:t>
+            </a:r>
+            <a:r>
+              <a:rPr lang="it-IT" baseline="0" dirty="0" err="1" smtClean="0"/>
+              <a:t>platform</a:t>
+            </a:r>
+            <a:endParaRPr lang="it-IT" baseline="0" dirty="0" smtClean="0"/>
+          </a:p>
+          <a:p>
+            <a:pPr marL="171450" indent="-171450">
+              <a:buFont typeface="Wingdings" charset="2"/>
+              <a:buChar char="Ø"/>
+            </a:pPr>
+            <a:r>
+              <a:rPr lang="it-IT" baseline="0" dirty="0" smtClean="0"/>
+              <a:t>The UI </a:t>
+            </a:r>
+            <a:r>
+              <a:rPr lang="it-IT" baseline="0" dirty="0" err="1" smtClean="0"/>
+              <a:t>remain</a:t>
+            </a:r>
+            <a:r>
+              <a:rPr lang="it-IT" baseline="0" dirty="0" smtClean="0"/>
+              <a:t> the </a:t>
+            </a:r>
+            <a:r>
+              <a:rPr lang="it-IT" baseline="0" dirty="0" err="1" smtClean="0"/>
+              <a:t>same</a:t>
+            </a:r>
+            <a:r>
+              <a:rPr lang="it-IT" baseline="0" dirty="0" smtClean="0"/>
+              <a:t> </a:t>
+            </a:r>
+            <a:r>
+              <a:rPr lang="it-IT" baseline="0" dirty="0" err="1" smtClean="0"/>
+              <a:t>using</a:t>
+            </a:r>
+            <a:r>
+              <a:rPr lang="it-IT" baseline="0" dirty="0" smtClean="0"/>
+              <a:t> the </a:t>
+            </a:r>
+            <a:r>
+              <a:rPr lang="it-IT" baseline="0" dirty="0" err="1" smtClean="0"/>
+              <a:t>shared</a:t>
+            </a:r>
+            <a:r>
+              <a:rPr lang="it-IT" baseline="0" dirty="0" smtClean="0"/>
+              <a:t> </a:t>
+            </a:r>
+            <a:r>
+              <a:rPr lang="it-IT" baseline="0" dirty="0" err="1" smtClean="0"/>
+              <a:t>models</a:t>
+            </a:r>
             <a:endParaRPr lang="it-IT" dirty="0"/>
           </a:p>
         </p:txBody>
@@ -1788,7 +2052,121 @@
           <a:bodyPr/>
           <a:lstStyle/>
           <a:p>
-            <a:endParaRPr lang="it-IT" dirty="0"/>
+            <a:r>
+              <a:rPr lang="it-IT" dirty="0" smtClean="0"/>
+              <a:t>&gt; The</a:t>
+            </a:r>
+            <a:r>
+              <a:rPr lang="it-IT" baseline="0" dirty="0" smtClean="0"/>
+              <a:t> big bang </a:t>
+            </a:r>
+            <a:r>
+              <a:rPr lang="it-IT" baseline="0" dirty="0" err="1" smtClean="0"/>
+              <a:t>day</a:t>
+            </a:r>
+            <a:r>
+              <a:rPr lang="it-IT" baseline="0" dirty="0" smtClean="0"/>
+              <a:t> the </a:t>
+            </a:r>
+            <a:r>
+              <a:rPr lang="it-IT" baseline="0" dirty="0" err="1" smtClean="0"/>
+              <a:t>app</a:t>
+            </a:r>
+            <a:r>
+              <a:rPr lang="it-IT" baseline="0" dirty="0" smtClean="0"/>
+              <a:t> </a:t>
+            </a:r>
+            <a:r>
+              <a:rPr lang="it-IT" baseline="0" dirty="0" err="1" smtClean="0"/>
+              <a:t>is</a:t>
+            </a:r>
+            <a:r>
+              <a:rPr lang="it-IT" baseline="0" dirty="0" smtClean="0"/>
+              <a:t> ready to </a:t>
+            </a:r>
+            <a:r>
+              <a:rPr lang="it-IT" baseline="0" dirty="0" err="1" smtClean="0"/>
+              <a:t>connect</a:t>
+            </a:r>
+            <a:r>
+              <a:rPr lang="it-IT" baseline="0" dirty="0" smtClean="0"/>
+              <a:t> to the new </a:t>
+            </a:r>
+            <a:r>
+              <a:rPr lang="it-IT" baseline="0" dirty="0" err="1" smtClean="0"/>
+              <a:t>platform</a:t>
+            </a:r>
+            <a:endParaRPr lang="it-IT" baseline="0" dirty="0" smtClean="0"/>
+          </a:p>
+          <a:p>
+            <a:pPr marL="171450" indent="-171450">
+              <a:buFont typeface="Wingdings" charset="2"/>
+              <a:buChar char="Ø"/>
+            </a:pPr>
+            <a:r>
+              <a:rPr lang="it-IT" baseline="0" dirty="0" smtClean="0"/>
+              <a:t>The </a:t>
+            </a:r>
+            <a:r>
+              <a:rPr lang="it-IT" baseline="0" dirty="0" err="1" smtClean="0"/>
+              <a:t>user</a:t>
+            </a:r>
+            <a:r>
+              <a:rPr lang="it-IT" baseline="0" dirty="0" smtClean="0"/>
+              <a:t> </a:t>
+            </a:r>
+            <a:r>
+              <a:rPr lang="it-IT" baseline="0" dirty="0" err="1" smtClean="0"/>
+              <a:t>don’t</a:t>
+            </a:r>
+            <a:r>
+              <a:rPr lang="it-IT" baseline="0" dirty="0" smtClean="0"/>
+              <a:t> </a:t>
+            </a:r>
+            <a:r>
+              <a:rPr lang="it-IT" baseline="0" dirty="0" err="1" smtClean="0"/>
+              <a:t>need</a:t>
+            </a:r>
+            <a:r>
+              <a:rPr lang="it-IT" baseline="0" dirty="0" smtClean="0"/>
+              <a:t> to </a:t>
+            </a:r>
+            <a:r>
+              <a:rPr lang="it-IT" baseline="0" dirty="0" err="1" smtClean="0"/>
+              <a:t>install</a:t>
+            </a:r>
+            <a:r>
+              <a:rPr lang="it-IT" baseline="0" dirty="0" smtClean="0"/>
+              <a:t> a new </a:t>
+            </a:r>
+            <a:r>
+              <a:rPr lang="it-IT" baseline="0" dirty="0" err="1" smtClean="0"/>
+              <a:t>app</a:t>
+            </a:r>
+            <a:endParaRPr lang="it-IT" baseline="0" dirty="0" smtClean="0"/>
+          </a:p>
+          <a:p>
+            <a:pPr marL="171450" indent="-171450">
+              <a:buFont typeface="Wingdings" charset="2"/>
+              <a:buChar char="Ø"/>
+            </a:pPr>
+            <a:r>
+              <a:rPr lang="it-IT" baseline="0" dirty="0" smtClean="0"/>
+              <a:t>The HOT SWAP </a:t>
+            </a:r>
+            <a:r>
+              <a:rPr lang="it-IT" baseline="0" dirty="0" err="1" smtClean="0"/>
+              <a:t>is</a:t>
+            </a:r>
+            <a:r>
+              <a:rPr lang="it-IT" baseline="0" dirty="0" smtClean="0"/>
+              <a:t> in </a:t>
+            </a:r>
+            <a:r>
+              <a:rPr lang="it-IT" baseline="0" dirty="0" err="1" smtClean="0"/>
+              <a:t>place</a:t>
+            </a:r>
+            <a:endParaRPr lang="it-IT" baseline="0" dirty="0" smtClean="0"/>
           </a:p>
         </p:txBody>
       </p:sp>
@@ -4304,13 +4682,7 @@
               <a:rPr lang="en-US" sz="3600" b="1" dirty="0" smtClean="0">
                 <a:latin typeface="Chronicle Display Light" pitchFamily="50" charset="0"/>
               </a:rPr>
-              <a:t> iOS </a:t>
-            </a:r>
-            <a:r>
-              <a:rPr lang="en-US" sz="3600" b="1" dirty="0" smtClean="0">
-                <a:latin typeface="Chronicle Display Light" pitchFamily="50" charset="0"/>
-              </a:rPr>
-              <a:t>RE-APP</a:t>
+              <a:t> iOS RE-APP</a:t>
             </a:r>
             <a:endParaRPr lang="en-US" sz="2400" i="1" dirty="0">
               <a:latin typeface="Chronicle Display Light" pitchFamily="50" charset="0"/>
@@ -4813,7 +5185,23 @@
           <a:p>
             <a:r>
               <a:rPr lang="en-US" sz="2800" dirty="0" smtClean="0"/>
-              <a:t>The aim of this presentation is to present you our vision </a:t>
+              <a:t>The aim of this presentation is to </a:t>
+            </a:r>
+            <a:r>
+              <a:rPr lang="en-US" sz="2800" dirty="0" smtClean="0"/>
+              <a:t>show you </a:t>
+            </a:r>
+            <a:r>
+              <a:rPr lang="en-US" sz="2800" dirty="0" smtClean="0"/>
+              <a:t>our vision </a:t>
+            </a:r>
+            <a:r>
+              <a:rPr lang="en-US" sz="2800" dirty="0" smtClean="0"/>
+              <a:t>for app </a:t>
+            </a:r>
+            <a:r>
+              <a:rPr lang="en-US" sz="2800" dirty="0" smtClean="0"/>
+              <a:t>migration </a:t>
             </a:r>
             <a:r>
               <a:rPr lang="mr-IN" sz="2800" dirty="0" smtClean="0"/>
@@ -4926,8 +5314,24 @@
               <a:t>…</a:t>
             </a:r>
             <a:r>
+              <a:rPr lang="en-GB" sz="2800" dirty="0" smtClean="0"/>
+              <a:t> </a:t>
+            </a:r>
+            <a:r>
               <a:rPr lang="en-US" sz="2800" dirty="0" smtClean="0"/>
-              <a:t>we believe in shared knowledge in YNAP</a:t>
+              <a:t>we </a:t>
+            </a:r>
+            <a:r>
+              <a:rPr lang="en-US" sz="2800" dirty="0" smtClean="0"/>
+              <a:t>believe in </a:t>
+            </a:r>
+            <a:r>
+              <a:rPr lang="en-US" sz="2800" dirty="0" smtClean="0"/>
+              <a:t>sharing </a:t>
+            </a:r>
+            <a:r>
+              <a:rPr lang="en-US" sz="2800" dirty="0" smtClean="0"/>
+              <a:t>knowledge in YNAP</a:t>
             </a:r>
             <a:endParaRPr lang="en-US" sz="2800" dirty="0"/>
           </a:p>
@@ -5231,7 +5635,19 @@
           <a:p>
             <a:r>
               <a:rPr lang="en-US" sz="2800" dirty="0" smtClean="0"/>
-              <a:t>RE-design the App to introduce Mobile Framework</a:t>
+              <a:t>RE-design the </a:t>
+            </a:r>
+            <a:r>
+              <a:rPr lang="en-US" sz="2800" dirty="0" smtClean="0"/>
+              <a:t>iOS App </a:t>
+            </a:r>
+            <a:r>
+              <a:rPr lang="en-US" sz="2800" dirty="0" smtClean="0"/>
+              <a:t>to introduce Mobile </a:t>
+            </a:r>
+            <a:r>
+              <a:rPr lang="en-US" sz="2800" dirty="0" smtClean="0"/>
+              <a:t>Framework YNSDK</a:t>
             </a:r>
             <a:endParaRPr lang="en-US" sz="2800" dirty="0"/>
           </a:p>
@@ -5261,15 +5677,15 @@
           <a:p>
             <a:r>
               <a:rPr lang="en-US" sz="2800" dirty="0" smtClean="0"/>
-              <a:t>Ensure hot switch </a:t>
+              <a:t>Ensure </a:t>
             </a:r>
             <a:r>
               <a:rPr lang="en-US" sz="2800" dirty="0" smtClean="0"/>
-              <a:t>from legacy platform to </a:t>
+              <a:t>“hot swap” </a:t>
             </a:r>
             <a:r>
               <a:rPr lang="en-US" sz="2800" dirty="0" smtClean="0"/>
-              <a:t>WCS platform</a:t>
+              <a:t>from legacy platform to WCS platform</a:t>
             </a:r>
             <a:endParaRPr lang="en-US" sz="2800" dirty="0"/>
           </a:p>
@@ -5527,11 +5943,7 @@
           <a:p>
             <a:r>
               <a:rPr lang="en-US" sz="2400" dirty="0" smtClean="0"/>
-              <a:t>Step 0 - Actual state monolith </a:t>
-            </a:r>
-            <a:r>
-              <a:rPr lang="en-US" sz="2400" dirty="0" smtClean="0"/>
-              <a:t>app</a:t>
+              <a:t>Step 0 - Actual state monolith app</a:t>
             </a:r>
             <a:endParaRPr lang="en-US" sz="1800" dirty="0" smtClean="0"/>
           </a:p>
@@ -6837,11 +7249,7 @@
             <a:pPr algn="ctr"/>
             <a:r>
               <a:rPr lang="en-US" dirty="0" smtClean="0"/>
-              <a:t>LEGACY </a:t>
-            </a:r>
-            <a:r>
-              <a:rPr lang="en-US" dirty="0" smtClean="0"/>
-              <a:t>API</a:t>
+              <a:t>LEGACY API</a:t>
             </a:r>
             <a:endParaRPr lang="en-US" dirty="0"/>
           </a:p>
@@ -8051,11 +8459,7 @@
             <a:pPr algn="ctr"/>
             <a:r>
               <a:rPr lang="en-US" dirty="0" smtClean="0"/>
-              <a:t>LEGACY </a:t>
-            </a:r>
-            <a:r>
-              <a:rPr lang="en-US" dirty="0" smtClean="0"/>
-              <a:t>API</a:t>
+              <a:t>LEGACY API</a:t>
             </a:r>
             <a:endParaRPr lang="en-US" dirty="0"/>
           </a:p>
@@ -10197,7 +10601,11 @@
             </a:r>
             <a:r>
               <a:rPr lang="en-GB" sz="2400" dirty="0" smtClean="0"/>
-              <a:t> Enabling YNSDK hot switch</a:t>
+              <a:t> Enabling YNSDK hot </a:t>
+            </a:r>
+            <a:r>
+              <a:rPr lang="en-GB" sz="2400" dirty="0" smtClean="0"/>
+              <a:t>swap</a:t>
             </a:r>
             <a:endParaRPr lang="en-US" sz="2400" dirty="0" smtClean="0"/>
           </a:p>

--- a/docs/iOS-re-app.pptx
+++ b/docs/iOS-re-app.pptx
@@ -1236,11 +1236,7 @@
             </a:r>
             <a:r>
               <a:rPr lang="it-IT" baseline="0" dirty="0" smtClean="0"/>
-              <a:t> </a:t>
-            </a:r>
-            <a:r>
-              <a:rPr lang="it-IT" baseline="0" dirty="0" smtClean="0"/>
-              <a:t>the single use case </a:t>
+              <a:t> the single use case </a:t>
             </a:r>
             <a:r>
               <a:rPr lang="it-IT" baseline="0" dirty="0" err="1" smtClean="0"/>
@@ -1474,13 +1470,8 @@
             </a:r>
             <a:r>
               <a:rPr lang="it-IT" baseline="0" dirty="0" smtClean="0"/>
-              <a:t> from </a:t>
-            </a:r>
-            <a:r>
-              <a:rPr lang="it-IT" baseline="0" dirty="0" smtClean="0"/>
-              <a:t>scratch</a:t>
-            </a:r>
-            <a:endParaRPr lang="it-IT" baseline="0" dirty="0" smtClean="0"/>
+              <a:t> from scratch</a:t>
+            </a:r>
           </a:p>
           <a:p>
             <a:pPr marL="171450" indent="-171450">
@@ -1524,11 +1515,7 @@
             </a:r>
             <a:r>
               <a:rPr lang="it-IT" baseline="0" dirty="0" smtClean="0"/>
-              <a:t> </a:t>
-            </a:r>
-            <a:r>
-              <a:rPr lang="it-IT" baseline="0" dirty="0" smtClean="0"/>
-              <a:t>can </a:t>
+              <a:t> can </a:t>
             </a:r>
             <a:r>
               <a:rPr lang="it-IT" baseline="0" dirty="0" err="1" smtClean="0"/>
@@ -1568,11 +1555,7 @@
             </a:r>
             <a:r>
               <a:rPr lang="it-IT" baseline="0" dirty="0" smtClean="0"/>
-              <a:t> </a:t>
-            </a:r>
-            <a:r>
-              <a:rPr lang="it-IT" baseline="0" dirty="0" smtClean="0"/>
-              <a:t>time</a:t>
+              <a:t> time</a:t>
             </a:r>
             <a:endParaRPr lang="it-IT" dirty="0"/>
           </a:p>
@@ -5185,23 +5168,7 @@
           <a:p>
             <a:r>
               <a:rPr lang="en-US" sz="2800" dirty="0" smtClean="0"/>
-              <a:t>The aim of this presentation is to </a:t>
-            </a:r>
-            <a:r>
-              <a:rPr lang="en-US" sz="2800" dirty="0" smtClean="0"/>
-              <a:t>show you </a:t>
-            </a:r>
-            <a:r>
-              <a:rPr lang="en-US" sz="2800" dirty="0" smtClean="0"/>
-              <a:t>our vision </a:t>
-            </a:r>
-            <a:r>
-              <a:rPr lang="en-US" sz="2800" dirty="0" smtClean="0"/>
-              <a:t>for app </a:t>
-            </a:r>
-            <a:r>
-              <a:rPr lang="en-US" sz="2800" dirty="0" smtClean="0"/>
-              <a:t>migration </a:t>
+              <a:t>The aim of this presentation is to show you our vision for app migration </a:t>
             </a:r>
             <a:r>
               <a:rPr lang="mr-IN" sz="2800" dirty="0" smtClean="0"/>
@@ -5319,19 +5286,7 @@
             </a:r>
             <a:r>
               <a:rPr lang="en-US" sz="2800" dirty="0" smtClean="0"/>
-              <a:t>we </a:t>
-            </a:r>
-            <a:r>
-              <a:rPr lang="en-US" sz="2800" dirty="0" smtClean="0"/>
-              <a:t>believe in </a:t>
-            </a:r>
-            <a:r>
-              <a:rPr lang="en-US" sz="2800" dirty="0" smtClean="0"/>
-              <a:t>sharing </a:t>
-            </a:r>
-            <a:r>
-              <a:rPr lang="en-US" sz="2800" dirty="0" smtClean="0"/>
-              <a:t>knowledge in YNAP</a:t>
+              <a:t>we believe in sharing knowledge in YNAP</a:t>
             </a:r>
             <a:endParaRPr lang="en-US" sz="2800" dirty="0"/>
           </a:p>
@@ -5635,19 +5590,7 @@
           <a:p>
             <a:r>
               <a:rPr lang="en-US" sz="2800" dirty="0" smtClean="0"/>
-              <a:t>RE-design the </a:t>
-            </a:r>
-            <a:r>
-              <a:rPr lang="en-US" sz="2800" dirty="0" smtClean="0"/>
-              <a:t>iOS App </a:t>
-            </a:r>
-            <a:r>
-              <a:rPr lang="en-US" sz="2800" dirty="0" smtClean="0"/>
-              <a:t>to introduce Mobile </a:t>
-            </a:r>
-            <a:r>
-              <a:rPr lang="en-US" sz="2800" dirty="0" smtClean="0"/>
-              <a:t>Framework YNSDK</a:t>
+              <a:t>RE-design the iOS App to introduce Mobile Framework YNSDK</a:t>
             </a:r>
             <a:endParaRPr lang="en-US" sz="2800" dirty="0"/>
           </a:p>
@@ -5677,15 +5620,7 @@
           <a:p>
             <a:r>
               <a:rPr lang="en-US" sz="2800" dirty="0" smtClean="0"/>
-              <a:t>Ensure </a:t>
-            </a:r>
-            <a:r>
-              <a:rPr lang="en-US" sz="2800" dirty="0" smtClean="0"/>
-              <a:t>“hot swap” </a:t>
-            </a:r>
-            <a:r>
-              <a:rPr lang="en-US" sz="2800" dirty="0" smtClean="0"/>
-              <a:t>from legacy platform to WCS platform</a:t>
+              <a:t>Ensure “hot swap” from legacy platform to WCS platform</a:t>
             </a:r>
             <a:endParaRPr lang="en-US" sz="2800" dirty="0"/>
           </a:p>
@@ -10601,11 +10536,7 @@
             </a:r>
             <a:r>
               <a:rPr lang="en-GB" sz="2400" dirty="0" smtClean="0"/>
-              <a:t> Enabling YNSDK hot </a:t>
-            </a:r>
-            <a:r>
-              <a:rPr lang="en-GB" sz="2400" dirty="0" smtClean="0"/>
-              <a:t>swap</a:t>
+              <a:t> Enabling YNSDK hot swap</a:t>
             </a:r>
             <a:endParaRPr lang="en-US" sz="2400" dirty="0" smtClean="0"/>
           </a:p>
